--- a/Homework/大数据课堂讨论-76066001-张金源.pptx
+++ b/Homework/大数据课堂讨论-76066001-张金源.pptx
@@ -243,7 +243,7 @@
             <a:fld id="{681C5631-EE2B-4939-B73E-B82A09BB9764}" type="datetimeFigureOut">
               <a:rPr lang="en-US" smtClean="0"/>
               <a:pPr/>
-              <a:t>26-Nov-18</a:t>
+              <a:t>27-Nov-18</a:t>
             </a:fld>
             <a:endParaRPr lang="en-US"/>
           </a:p>
@@ -943,6 +943,18 @@
             <a:endParaRPr lang="en-US" dirty="0" smtClean="0"/>
           </a:p>
           <a:p>
+            <a:r>
+              <a:rPr lang="zh-CN" altLang="en-US" dirty="0" smtClean="0"/>
+              <a:t>引擎</a:t>
+            </a:r>
+            <a:r>
+              <a:rPr lang="en-US" altLang="zh-CN" dirty="0" smtClean="0"/>
+              <a:t>: </a:t>
+            </a:r>
+            <a:r>
+              <a:rPr lang="en-US" dirty="0" err="1" smtClean="0"/>
+              <a:t>Yǐnqíng</a:t>
+            </a:r>
             <a:endParaRPr lang="en-US" dirty="0"/>
           </a:p>
         </p:txBody>
@@ -1112,6 +1124,34 @@
               </a:rPr>
               <a:t>流程的概念流</a:t>
             </a:r>
+            <a:endParaRPr lang="es-ES" sz="1200" b="0" i="0" kern="1200" dirty="0" smtClean="0">
+              <a:solidFill>
+                <a:schemeClr val="tx1"/>
+              </a:solidFill>
+              <a:effectLst/>
+              <a:latin typeface="Dubai" panose="020B0503030403030204" pitchFamily="34" charset="-78"/>
+              <a:ea typeface="+mn-ea"/>
+              <a:cs typeface="+mn-cs"/>
+            </a:endParaRPr>
+          </a:p>
+          <a:p>
+            <a:pPr marL="0" marR="0" indent="0" algn="l" defTabSz="914400" rtl="0" eaLnBrk="1" fontAlgn="auto" latinLnBrk="0" hangingPunct="1">
+              <a:lnSpc>
+                <a:spcPct val="100000"/>
+              </a:lnSpc>
+              <a:spcBef>
+                <a:spcPts val="0"/>
+              </a:spcBef>
+              <a:spcAft>
+                <a:spcPts val="0"/>
+              </a:spcAft>
+              <a:buClrTx/>
+              <a:buSzTx/>
+              <a:buFontTx/>
+              <a:buNone/>
+              <a:tabLst/>
+              <a:defRPr/>
+            </a:pPr>
             <a:endParaRPr lang="en-US" dirty="0" smtClean="0"/>
           </a:p>
           <a:p>
@@ -2880,7 +2920,7 @@
             <a:fld id="{53074F12-AA26-4AC8-9962-C36BB8F32554}" type="datetimeFigureOut">
               <a:rPr lang="en-US" smtClean="0"/>
               <a:pPr/>
-              <a:t>26-Nov-18</a:t>
+              <a:t>27-Nov-18</a:t>
             </a:fld>
             <a:endParaRPr lang="en-US"/>
           </a:p>
@@ -3134,7 +3174,7 @@
             <a:fld id="{53074F12-AA26-4AC8-9962-C36BB8F32554}" type="datetimeFigureOut">
               <a:rPr lang="en-US" smtClean="0"/>
               <a:pPr/>
-              <a:t>26-Nov-18</a:t>
+              <a:t>27-Nov-18</a:t>
             </a:fld>
             <a:endParaRPr lang="en-US"/>
           </a:p>
@@ -3304,7 +3344,7 @@
             <a:fld id="{53074F12-AA26-4AC8-9962-C36BB8F32554}" type="datetimeFigureOut">
               <a:rPr lang="en-US" smtClean="0"/>
               <a:pPr/>
-              <a:t>26-Nov-18</a:t>
+              <a:t>27-Nov-18</a:t>
             </a:fld>
             <a:endParaRPr lang="en-US"/>
           </a:p>
@@ -3484,7 +3524,7 @@
             <a:fld id="{53074F12-AA26-4AC8-9962-C36BB8F32554}" type="datetimeFigureOut">
               <a:rPr lang="en-US" smtClean="0"/>
               <a:pPr/>
-              <a:t>26-Nov-18</a:t>
+              <a:t>27-Nov-18</a:t>
             </a:fld>
             <a:endParaRPr lang="en-US"/>
           </a:p>
@@ -3538,7 +3578,7 @@
           <p:cNvPr id="7" name="Picture 6" descr="E:\websites\free-power-point-templates\2012\logos.png">
             <a:extLst>
               <a:ext uri="{FF2B5EF4-FFF2-40B4-BE49-F238E27FC236}">
-                <a16:creationId xmlns:a16="http://schemas.microsoft.com/office/drawing/2014/main" xmlns="" id="{E0B449E0-6E3C-4FC9-9B1A-FE75A1FA8AC2}"/>
+                <a16:creationId xmlns="" xmlns:a16="http://schemas.microsoft.com/office/drawing/2014/main" id="{E0B449E0-6E3C-4FC9-9B1A-FE75A1FA8AC2}"/>
               </a:ext>
             </a:extLst>
           </p:cNvPr>
@@ -3766,7 +3806,7 @@
             <a:fld id="{53074F12-AA26-4AC8-9962-C36BB8F32554}" type="datetimeFigureOut">
               <a:rPr lang="en-US" smtClean="0"/>
               <a:pPr/>
-              <a:t>26-Nov-18</a:t>
+              <a:t>27-Nov-18</a:t>
             </a:fld>
             <a:endParaRPr lang="en-US"/>
           </a:p>
@@ -4013,7 +4053,7 @@
             <a:fld id="{53074F12-AA26-4AC8-9962-C36BB8F32554}" type="datetimeFigureOut">
               <a:rPr lang="en-US" smtClean="0"/>
               <a:pPr/>
-              <a:t>26-Nov-18</a:t>
+              <a:t>27-Nov-18</a:t>
             </a:fld>
             <a:endParaRPr lang="en-US"/>
           </a:p>
@@ -4260,7 +4300,7 @@
             <a:fld id="{53074F12-AA26-4AC8-9962-C36BB8F32554}" type="datetimeFigureOut">
               <a:rPr lang="en-US" smtClean="0"/>
               <a:pPr/>
-              <a:t>26-Nov-18</a:t>
+              <a:t>27-Nov-18</a:t>
             </a:fld>
             <a:endParaRPr lang="en-US"/>
           </a:p>
@@ -4547,7 +4587,7 @@
             <a:fld id="{53074F12-AA26-4AC8-9962-C36BB8F32554}" type="datetimeFigureOut">
               <a:rPr lang="en-US" smtClean="0"/>
               <a:pPr/>
-              <a:t>26-Nov-18</a:t>
+              <a:t>27-Nov-18</a:t>
             </a:fld>
             <a:endParaRPr lang="en-US"/>
           </a:p>
@@ -5034,7 +5074,7 @@
             <a:fld id="{53074F12-AA26-4AC8-9962-C36BB8F32554}" type="datetimeFigureOut">
               <a:rPr lang="en-US" smtClean="0"/>
               <a:pPr/>
-              <a:t>26-Nov-18</a:t>
+              <a:t>27-Nov-18</a:t>
             </a:fld>
             <a:endParaRPr lang="en-US"/>
           </a:p>
@@ -5153,7 +5193,7 @@
             <a:fld id="{53074F12-AA26-4AC8-9962-C36BB8F32554}" type="datetimeFigureOut">
               <a:rPr lang="en-US" smtClean="0"/>
               <a:pPr/>
-              <a:t>26-Nov-18</a:t>
+              <a:t>27-Nov-18</a:t>
             </a:fld>
             <a:endParaRPr lang="en-US"/>
           </a:p>
@@ -5250,7 +5290,7 @@
             <a:fld id="{53074F12-AA26-4AC8-9962-C36BB8F32554}" type="datetimeFigureOut">
               <a:rPr lang="en-US" smtClean="0"/>
               <a:pPr/>
-              <a:t>26-Nov-18</a:t>
+              <a:t>27-Nov-18</a:t>
             </a:fld>
             <a:endParaRPr lang="en-US"/>
           </a:p>
@@ -5527,7 +5567,7 @@
             <a:fld id="{53074F12-AA26-4AC8-9962-C36BB8F32554}" type="datetimeFigureOut">
               <a:rPr lang="en-US" smtClean="0"/>
               <a:pPr/>
-              <a:t>26-Nov-18</a:t>
+              <a:t>27-Nov-18</a:t>
             </a:fld>
             <a:endParaRPr lang="en-US"/>
           </a:p>
@@ -5750,7 +5790,7 @@
             <a:fld id="{53074F12-AA26-4AC8-9962-C36BB8F32554}" type="datetimeFigureOut">
               <a:rPr lang="en-US" smtClean="0"/>
               <a:pPr/>
-              <a:t>26-Nov-18</a:t>
+              <a:t>27-Nov-18</a:t>
             </a:fld>
             <a:endParaRPr lang="en-US"/>
           </a:p>
@@ -5842,7 +5882,7 @@
           <p:cNvPr id="7" name="TextBox 6">
             <a:extLst>
               <a:ext uri="{FF2B5EF4-FFF2-40B4-BE49-F238E27FC236}">
-                <a16:creationId xmlns:a16="http://schemas.microsoft.com/office/drawing/2014/main" xmlns="" id="{10688E03-EA82-41E7-8B8B-4DD3398E2BA8}"/>
+                <a16:creationId xmlns="" xmlns:a16="http://schemas.microsoft.com/office/drawing/2014/main" id="{10688E03-EA82-41E7-8B8B-4DD3398E2BA8}"/>
               </a:ext>
             </a:extLst>
           </p:cNvPr>
@@ -6756,7 +6796,7 @@
         </p:spPr>
         <p:txBody>
           <a:bodyPr>
-            <a:normAutofit fontScale="85000" lnSpcReduction="10000"/>
+            <a:normAutofit fontScale="92500" lnSpcReduction="20000"/>
           </a:bodyPr>
           <a:lstStyle/>
           <a:p>
@@ -7737,7 +7777,7 @@
         <p:spPr/>
         <p:txBody>
           <a:bodyPr>
-            <a:normAutofit lnSpcReduction="10000"/>
+            <a:normAutofit/>
           </a:bodyPr>
           <a:lstStyle/>
           <a:p>
@@ -8156,7 +8196,7 @@
         <p:spPr/>
         <p:txBody>
           <a:bodyPr>
-            <a:normAutofit fontScale="92500" lnSpcReduction="20000"/>
+            <a:normAutofit fontScale="92500" lnSpcReduction="10000"/>
           </a:bodyPr>
           <a:lstStyle/>
           <a:p>
@@ -8630,7 +8670,7 @@
         </p:spPr>
         <p:txBody>
           <a:bodyPr>
-            <a:normAutofit fontScale="85000" lnSpcReduction="10000"/>
+            <a:normAutofit fontScale="92500" lnSpcReduction="20000"/>
           </a:bodyPr>
           <a:lstStyle/>
           <a:p>
@@ -8885,7 +8925,7 @@
         </p:spPr>
         <p:txBody>
           <a:bodyPr>
-            <a:normAutofit fontScale="85000" lnSpcReduction="10000"/>
+            <a:normAutofit fontScale="92500" lnSpcReduction="20000"/>
           </a:bodyPr>
           <a:lstStyle/>
           <a:p>
@@ -9312,7 +9352,7 @@
         </p:spPr>
         <p:txBody>
           <a:bodyPr>
-            <a:normAutofit fontScale="85000" lnSpcReduction="20000"/>
+            <a:normAutofit fontScale="92500" lnSpcReduction="20000"/>
           </a:bodyPr>
           <a:lstStyle/>
           <a:p>
@@ -9357,11 +9397,7 @@
             </a:r>
             <a:r>
               <a:rPr lang="en-US" dirty="0"/>
-              <a:t>, </a:t>
-            </a:r>
-            <a:r>
-              <a:rPr lang="en-US" dirty="0"/>
-              <a:t> </a:t>
+              <a:t>,  </a:t>
             </a:r>
             <a:r>
               <a:rPr lang="en-US" dirty="0" smtClean="0"/>
@@ -9603,7 +9639,7 @@
         </p:spPr>
         <p:txBody>
           <a:bodyPr>
-            <a:normAutofit fontScale="92500" lnSpcReduction="10000"/>
+            <a:normAutofit/>
           </a:bodyPr>
           <a:lstStyle/>
           <a:p>
